--- a/Urban Monochrome.pptx
+++ b/Urban Monochrome.pptx
@@ -2,7 +2,7 @@
 <file path=ppt/presentation.xml><?xml version="1.0" encoding="utf-8"?>
 <p:presentation xmlns:a="http://schemas.openxmlformats.org/drawingml/2006/main" xmlns:r="http://schemas.openxmlformats.org/officeDocument/2006/relationships" xmlns:p="http://schemas.openxmlformats.org/presentationml/2006/main" saveSubsetFonts="1">
   <p:sldMasterIdLst>
-    <p:sldMasterId id="2147483774" r:id="rId1"/>
+    <p:sldMasterId id="2147483813" r:id="rId1"/>
   </p:sldMasterIdLst>
   <p:notesMasterIdLst>
     <p:notesMasterId r:id="rId11"/>
@@ -213,7 +213,7 @@
             <a:pPr rtl="0"/>
             <a:fld id="{91B8F1DB-4322-411D-BE1D-800208928B76}" type="datetime1">
               <a:rPr lang="en-US" smtClean="0"/>
-              <a:t>6/19/2023</a:t>
+              <a:t>6/20/2023</a:t>
             </a:fld>
             <a:endParaRPr lang="en-US" dirty="0"/>
           </a:p>
@@ -383,7 +383,7 @@
             <a:pPr rtl="0"/>
             <a:fld id="{F1FDFBCE-9522-474A-B58A-C4B46B53DA6F}" type="datetime1">
               <a:rPr lang="en-US" smtClean="0"/>
-              <a:t>6/19/2023</a:t>
+              <a:t>6/20/2023</a:t>
             </a:fld>
             <a:endParaRPr lang="en-US"/>
           </a:p>
@@ -657,7 +657,7 @@
 </file>
 
 <file path=ppt/slideLayouts/slideLayout1.xml><?xml version="1.0" encoding="utf-8"?>
-<p:sldLayout xmlns:a="http://schemas.openxmlformats.org/drawingml/2006/main" xmlns:r="http://schemas.openxmlformats.org/officeDocument/2006/relationships" xmlns:p="http://schemas.openxmlformats.org/presentationml/2006/main" showMasterSp="0" type="title" preserve="1">
+<p:sldLayout xmlns:a="http://schemas.openxmlformats.org/drawingml/2006/main" xmlns:r="http://schemas.openxmlformats.org/officeDocument/2006/relationships" xmlns:p="http://schemas.openxmlformats.org/presentationml/2006/main" type="title" preserve="1">
   <p:cSld name="Title Slide">
     <p:spTree>
       <p:nvGrpSpPr>
@@ -883,7 +883,7 @@
             <a:pPr rtl="0"/>
             <a:fld id="{5EAE40C9-D0BC-431E-94CA-3A0AFB9CF2DC}" type="datetime1">
               <a:rPr lang="en-US" smtClean="0"/>
-              <a:t>6/19/2023</a:t>
+              <a:t>6/20/2023</a:t>
             </a:fld>
             <a:endParaRPr lang="en-US" dirty="0"/>
           </a:p>
@@ -974,7 +974,7 @@
     </p:spTree>
     <p:extLst>
       <p:ext uri="{BB962C8B-B14F-4D97-AF65-F5344CB8AC3E}">
-        <p14:creationId xmlns:p14="http://schemas.microsoft.com/office/powerpoint/2010/main" val="4087087248"/>
+        <p14:creationId xmlns:p14="http://schemas.microsoft.com/office/powerpoint/2010/main" val="1682925438"/>
       </p:ext>
     </p:extLst>
   </p:cSld>
@@ -1094,7 +1094,7 @@
             <a:pPr rtl="0"/>
             <a:fld id="{668ACE20-7520-4CBD-AF10-4181E484D505}" type="datetime1">
               <a:rPr lang="en-US" smtClean="0"/>
-              <a:t>6/19/2023</a:t>
+              <a:t>6/20/2023</a:t>
             </a:fld>
             <a:endParaRPr lang="en-US" dirty="0"/>
           </a:p>
@@ -1147,7 +1147,7 @@
     </p:spTree>
     <p:extLst>
       <p:ext uri="{BB962C8B-B14F-4D97-AF65-F5344CB8AC3E}">
-        <p14:creationId xmlns:p14="http://schemas.microsoft.com/office/powerpoint/2010/main" val="2706610161"/>
+        <p14:creationId xmlns:p14="http://schemas.microsoft.com/office/powerpoint/2010/main" val="3247090294"/>
       </p:ext>
     </p:extLst>
   </p:cSld>
@@ -1158,7 +1158,7 @@
 </file>
 
 <file path=ppt/slideLayouts/slideLayout11.xml><?xml version="1.0" encoding="utf-8"?>
-<p:sldLayout xmlns:a="http://schemas.openxmlformats.org/drawingml/2006/main" xmlns:r="http://schemas.openxmlformats.org/officeDocument/2006/relationships" xmlns:p="http://schemas.openxmlformats.org/presentationml/2006/main" showMasterSp="0" type="vertTitleAndTx" preserve="1">
+<p:sldLayout xmlns:a="http://schemas.openxmlformats.org/drawingml/2006/main" xmlns:r="http://schemas.openxmlformats.org/officeDocument/2006/relationships" xmlns:p="http://schemas.openxmlformats.org/presentationml/2006/main" type="vertTitleAndTx" preserve="1">
   <p:cSld name="Vertical Title and Text">
     <p:spTree>
       <p:nvGrpSpPr>
@@ -1353,7 +1353,7 @@
             <a:pPr rtl="0"/>
             <a:fld id="{C7010D17-85D8-40AF-A827-D3D53BD21CF7}" type="datetime1">
               <a:rPr lang="en-US" smtClean="0"/>
-              <a:t>6/19/2023</a:t>
+              <a:t>6/20/2023</a:t>
             </a:fld>
             <a:endParaRPr lang="en-US" dirty="0"/>
           </a:p>
@@ -1406,7 +1406,7 @@
     </p:spTree>
     <p:extLst>
       <p:ext uri="{BB962C8B-B14F-4D97-AF65-F5344CB8AC3E}">
-        <p14:creationId xmlns:p14="http://schemas.microsoft.com/office/powerpoint/2010/main" val="431479727"/>
+        <p14:creationId xmlns:p14="http://schemas.microsoft.com/office/powerpoint/2010/main" val="2365805348"/>
       </p:ext>
     </p:extLst>
   </p:cSld>
@@ -2107,7 +2107,7 @@
     </p:spTree>
     <p:extLst>
       <p:ext uri="{BB962C8B-B14F-4D97-AF65-F5344CB8AC3E}">
-        <p14:creationId xmlns:p14="http://schemas.microsoft.com/office/powerpoint/2010/main" val="791464074"/>
+        <p14:creationId xmlns:p14="http://schemas.microsoft.com/office/powerpoint/2010/main" val="2370657889"/>
       </p:ext>
     </p:extLst>
   </p:cSld>
@@ -2227,7 +2227,7 @@
             <a:pPr rtl="0"/>
             <a:fld id="{98C8693B-3DD6-45FE-8789-61898B52A928}" type="datetime1">
               <a:rPr lang="en-US" smtClean="0"/>
-              <a:t>6/19/2023</a:t>
+              <a:t>6/20/2023</a:t>
             </a:fld>
             <a:endParaRPr lang="en-US" dirty="0"/>
           </a:p>
@@ -2280,7 +2280,7 @@
     </p:spTree>
     <p:extLst>
       <p:ext uri="{BB962C8B-B14F-4D97-AF65-F5344CB8AC3E}">
-        <p14:creationId xmlns:p14="http://schemas.microsoft.com/office/powerpoint/2010/main" val="3500645383"/>
+        <p14:creationId xmlns:p14="http://schemas.microsoft.com/office/powerpoint/2010/main" val="1449785980"/>
       </p:ext>
     </p:extLst>
   </p:cSld>
@@ -2291,16 +2291,8 @@
 </file>
 
 <file path=ppt/slideLayouts/slideLayout3.xml><?xml version="1.0" encoding="utf-8"?>
-<p:sldLayout xmlns:a="http://schemas.openxmlformats.org/drawingml/2006/main" xmlns:r="http://schemas.openxmlformats.org/officeDocument/2006/relationships" xmlns:p="http://schemas.openxmlformats.org/presentationml/2006/main" showMasterSp="0" type="secHead" preserve="1">
+<p:sldLayout xmlns:a="http://schemas.openxmlformats.org/drawingml/2006/main" xmlns:r="http://schemas.openxmlformats.org/officeDocument/2006/relationships" xmlns:p="http://schemas.openxmlformats.org/presentationml/2006/main" type="secHead" preserve="1">
   <p:cSld name="Section Header">
-    <p:bg>
-      <p:bgPr>
-        <a:solidFill>
-          <a:schemeClr val="bg1"/>
-        </a:solidFill>
-        <a:effectLst/>
-      </p:bgPr>
-    </p:bg>
     <p:spTree>
       <p:nvGrpSpPr>
         <p:cNvPr id="1" name=""/>
@@ -2573,7 +2565,7 @@
             <a:pPr rtl="0"/>
             <a:fld id="{B2153D3D-6C97-4D7F-B772-F372108194EF}" type="datetime1">
               <a:rPr lang="en-US" smtClean="0"/>
-              <a:t>6/19/2023</a:t>
+              <a:t>6/20/2023</a:t>
             </a:fld>
             <a:endParaRPr lang="en-US" dirty="0"/>
           </a:p>
@@ -2664,7 +2656,7 @@
     </p:spTree>
     <p:extLst>
       <p:ext uri="{BB962C8B-B14F-4D97-AF65-F5344CB8AC3E}">
-        <p14:creationId xmlns:p14="http://schemas.microsoft.com/office/powerpoint/2010/main" val="1280557781"/>
+        <p14:creationId xmlns:p14="http://schemas.microsoft.com/office/powerpoint/2010/main" val="384133212"/>
       </p:ext>
     </p:extLst>
   </p:cSld>
@@ -2851,7 +2843,7 @@
             <a:pPr rtl="0"/>
             <a:fld id="{AA98EE32-EA07-47DB-A8CB-BEEA4248E79E}" type="datetime1">
               <a:rPr lang="en-US" smtClean="0"/>
-              <a:t>6/19/2023</a:t>
+              <a:t>6/20/2023</a:t>
             </a:fld>
             <a:endParaRPr lang="en-US" dirty="0"/>
           </a:p>
@@ -2904,7 +2896,7 @@
     </p:spTree>
     <p:extLst>
       <p:ext uri="{BB962C8B-B14F-4D97-AF65-F5344CB8AC3E}">
-        <p14:creationId xmlns:p14="http://schemas.microsoft.com/office/powerpoint/2010/main" val="4070735514"/>
+        <p14:creationId xmlns:p14="http://schemas.microsoft.com/office/powerpoint/2010/main" val="1509927641"/>
       </p:ext>
     </p:extLst>
   </p:cSld>
@@ -3233,7 +3225,7 @@
             <a:pPr rtl="0"/>
             <a:fld id="{08F3DCD7-2315-4B3C-A783-152D4A0443CE}" type="datetime1">
               <a:rPr lang="en-US" smtClean="0"/>
-              <a:t>6/19/2023</a:t>
+              <a:t>6/20/2023</a:t>
             </a:fld>
             <a:endParaRPr lang="en-US" dirty="0"/>
           </a:p>
@@ -3286,7 +3278,7 @@
     </p:spTree>
     <p:extLst>
       <p:ext uri="{BB962C8B-B14F-4D97-AF65-F5344CB8AC3E}">
-        <p14:creationId xmlns:p14="http://schemas.microsoft.com/office/powerpoint/2010/main" val="306939092"/>
+        <p14:creationId xmlns:p14="http://schemas.microsoft.com/office/powerpoint/2010/main" val="332563438"/>
       </p:ext>
     </p:extLst>
   </p:cSld>
@@ -3354,7 +3346,7 @@
             <a:pPr rtl="0"/>
             <a:fld id="{114CA0E2-3171-4709-80F4-3E7D9CEDA1F5}" type="datetime1">
               <a:rPr lang="en-US" smtClean="0"/>
-              <a:t>6/19/2023</a:t>
+              <a:t>6/20/2023</a:t>
             </a:fld>
             <a:endParaRPr lang="en-US" dirty="0"/>
           </a:p>
@@ -3407,7 +3399,7 @@
     </p:spTree>
     <p:extLst>
       <p:ext uri="{BB962C8B-B14F-4D97-AF65-F5344CB8AC3E}">
-        <p14:creationId xmlns:p14="http://schemas.microsoft.com/office/powerpoint/2010/main" val="590375226"/>
+        <p14:creationId xmlns:p14="http://schemas.microsoft.com/office/powerpoint/2010/main" val="1472676288"/>
       </p:ext>
     </p:extLst>
   </p:cSld>
@@ -3418,7 +3410,7 @@
 </file>
 
 <file path=ppt/slideLayouts/slideLayout7.xml><?xml version="1.0" encoding="utf-8"?>
-<p:sldLayout xmlns:a="http://schemas.openxmlformats.org/drawingml/2006/main" xmlns:r="http://schemas.openxmlformats.org/officeDocument/2006/relationships" xmlns:p="http://schemas.openxmlformats.org/presentationml/2006/main" showMasterSp="0" type="blank" preserve="1">
+<p:sldLayout xmlns:a="http://schemas.openxmlformats.org/drawingml/2006/main" xmlns:r="http://schemas.openxmlformats.org/officeDocument/2006/relationships" xmlns:p="http://schemas.openxmlformats.org/presentationml/2006/main" type="blank" preserve="1">
   <p:cSld name="Blank">
     <p:spTree>
       <p:nvGrpSpPr>
@@ -3528,7 +3520,7 @@
             <a:pPr rtl="0"/>
             <a:fld id="{BAFE2A55-4918-4B78-B4C1-223F7257E9CD}" type="datetime1">
               <a:rPr lang="en-US" smtClean="0"/>
-              <a:t>6/19/2023</a:t>
+              <a:t>6/20/2023</a:t>
             </a:fld>
             <a:endParaRPr lang="en-US" dirty="0"/>
           </a:p>
@@ -3589,7 +3581,7 @@
     </p:spTree>
     <p:extLst>
       <p:ext uri="{BB962C8B-B14F-4D97-AF65-F5344CB8AC3E}">
-        <p14:creationId xmlns:p14="http://schemas.microsoft.com/office/powerpoint/2010/main" val="209186090"/>
+        <p14:creationId xmlns:p14="http://schemas.microsoft.com/office/powerpoint/2010/main" val="3884144817"/>
       </p:ext>
     </p:extLst>
   </p:cSld>
@@ -3600,7 +3592,7 @@
 </file>
 
 <file path=ppt/slideLayouts/slideLayout8.xml><?xml version="1.0" encoding="utf-8"?>
-<p:sldLayout xmlns:a="http://schemas.openxmlformats.org/drawingml/2006/main" xmlns:r="http://schemas.openxmlformats.org/officeDocument/2006/relationships" xmlns:p="http://schemas.openxmlformats.org/presentationml/2006/main" showMasterSp="0" type="objTx" preserve="1">
+<p:sldLayout xmlns:a="http://schemas.openxmlformats.org/drawingml/2006/main" xmlns:r="http://schemas.openxmlformats.org/officeDocument/2006/relationships" xmlns:p="http://schemas.openxmlformats.org/presentationml/2006/main" type="objTx" preserve="1">
   <p:cSld name="Content with Caption">
     <p:spTree>
       <p:nvGrpSpPr>
@@ -3885,7 +3877,7 @@
             <a:pPr rtl="0"/>
             <a:fld id="{5D2B994F-6814-42FC-A99F-20C3AC32CA91}" type="datetime1">
               <a:rPr lang="en-US" smtClean="0"/>
-              <a:t>6/19/2023</a:t>
+              <a:t>6/20/2023</a:t>
             </a:fld>
             <a:endParaRPr lang="en-US" dirty="0"/>
           </a:p>
@@ -3960,7 +3952,7 @@
     </p:spTree>
     <p:extLst>
       <p:ext uri="{BB962C8B-B14F-4D97-AF65-F5344CB8AC3E}">
-        <p14:creationId xmlns:p14="http://schemas.microsoft.com/office/powerpoint/2010/main" val="476641432"/>
+        <p14:creationId xmlns:p14="http://schemas.microsoft.com/office/powerpoint/2010/main" val="2171875093"/>
       </p:ext>
     </p:extLst>
   </p:cSld>
@@ -3971,7 +3963,7 @@
 </file>
 
 <file path=ppt/slideLayouts/slideLayout9.xml><?xml version="1.0" encoding="utf-8"?>
-<p:sldLayout xmlns:a="http://schemas.openxmlformats.org/drawingml/2006/main" xmlns:r="http://schemas.openxmlformats.org/officeDocument/2006/relationships" xmlns:p="http://schemas.openxmlformats.org/presentationml/2006/main" showMasterSp="0" type="picTx" preserve="1">
+<p:sldLayout xmlns:a="http://schemas.openxmlformats.org/drawingml/2006/main" xmlns:r="http://schemas.openxmlformats.org/officeDocument/2006/relationships" xmlns:p="http://schemas.openxmlformats.org/presentationml/2006/main" type="picTx" preserve="1">
   <p:cSld name="Picture with Caption">
     <p:spTree>
       <p:nvGrpSpPr>
@@ -4266,7 +4258,7 @@
             <a:pPr rtl="0"/>
             <a:fld id="{5FE6B8DD-2C22-484C-9134-B065A54C675C}" type="datetime1">
               <a:rPr lang="en-US" smtClean="0"/>
-              <a:t>6/19/2023</a:t>
+              <a:t>6/20/2023</a:t>
             </a:fld>
             <a:endParaRPr lang="en-US" dirty="0"/>
           </a:p>
@@ -4319,7 +4311,7 @@
     </p:spTree>
     <p:extLst>
       <p:ext uri="{BB962C8B-B14F-4D97-AF65-F5344CB8AC3E}">
-        <p14:creationId xmlns:p14="http://schemas.microsoft.com/office/powerpoint/2010/main" val="2857000256"/>
+        <p14:creationId xmlns:p14="http://schemas.microsoft.com/office/powerpoint/2010/main" val="2678160810"/>
       </p:ext>
     </p:extLst>
   </p:cSld>
@@ -4333,9 +4325,12 @@
 <p:sldMaster xmlns:a="http://schemas.openxmlformats.org/drawingml/2006/main" xmlns:r="http://schemas.openxmlformats.org/officeDocument/2006/relationships" xmlns:p="http://schemas.openxmlformats.org/presentationml/2006/main">
   <p:cSld>
     <p:bg>
-      <p:bgRef idx="1001">
-        <a:schemeClr val="bg1"/>
-      </p:bgRef>
+      <p:bgPr>
+        <a:solidFill>
+          <a:srgbClr val="F2F3F3"/>
+        </a:solidFill>
+        <a:effectLst/>
+      </p:bgPr>
     </p:bg>
     <p:spTree>
       <p:nvGrpSpPr>
@@ -4556,7 +4551,7 @@
             <a:pPr rtl="0"/>
             <a:fld id="{5601AA8C-C1C6-4293-BB33-7DEFE4232294}" type="datetime1">
               <a:rPr lang="en-US" smtClean="0"/>
-              <a:t>6/19/2023</a:t>
+              <a:t>6/20/2023</a:t>
             </a:fld>
             <a:endParaRPr lang="en-US" dirty="0"/>
           </a:p>
@@ -4679,24 +4674,24 @@
     </p:spTree>
     <p:extLst>
       <p:ext uri="{BB962C8B-B14F-4D97-AF65-F5344CB8AC3E}">
-        <p14:creationId xmlns:p14="http://schemas.microsoft.com/office/powerpoint/2010/main" val="2378467025"/>
+        <p14:creationId xmlns:p14="http://schemas.microsoft.com/office/powerpoint/2010/main" val="2391138699"/>
       </p:ext>
     </p:extLst>
   </p:cSld>
   <p:clrMap bg1="lt1" tx1="dk1" bg2="lt2" tx2="dk2" accent1="accent1" accent2="accent2" accent3="accent3" accent4="accent4" accent5="accent5" accent6="accent6" hlink="hlink" folHlink="folHlink"/>
   <p:sldLayoutIdLst>
-    <p:sldLayoutId id="2147483775" r:id="rId1"/>
-    <p:sldLayoutId id="2147483776" r:id="rId2"/>
-    <p:sldLayoutId id="2147483777" r:id="rId3"/>
-    <p:sldLayoutId id="2147483778" r:id="rId4"/>
-    <p:sldLayoutId id="2147483779" r:id="rId5"/>
-    <p:sldLayoutId id="2147483780" r:id="rId6"/>
-    <p:sldLayoutId id="2147483781" r:id="rId7"/>
-    <p:sldLayoutId id="2147483782" r:id="rId8"/>
-    <p:sldLayoutId id="2147483783" r:id="rId9"/>
-    <p:sldLayoutId id="2147483784" r:id="rId10"/>
-    <p:sldLayoutId id="2147483785" r:id="rId11"/>
-    <p:sldLayoutId id="2147483786" r:id="rId12"/>
+    <p:sldLayoutId id="2147483814" r:id="rId1"/>
+    <p:sldLayoutId id="2147483815" r:id="rId2"/>
+    <p:sldLayoutId id="2147483816" r:id="rId3"/>
+    <p:sldLayoutId id="2147483817" r:id="rId4"/>
+    <p:sldLayoutId id="2147483818" r:id="rId5"/>
+    <p:sldLayoutId id="2147483819" r:id="rId6"/>
+    <p:sldLayoutId id="2147483820" r:id="rId7"/>
+    <p:sldLayoutId id="2147483821" r:id="rId8"/>
+    <p:sldLayoutId id="2147483822" r:id="rId9"/>
+    <p:sldLayoutId id="2147483823" r:id="rId10"/>
+    <p:sldLayoutId id="2147483824" r:id="rId11"/>
+    <p:sldLayoutId id="2147483825" r:id="rId12"/>
   </p:sldLayoutIdLst>
   <p:hf sldNum="0" hdr="0" ftr="0"/>
   <p:txStyles>
@@ -5070,14 +5065,6 @@
 <file path=ppt/slides/slide1.xml><?xml version="1.0" encoding="utf-8"?>
 <p:sld xmlns:a="http://schemas.openxmlformats.org/drawingml/2006/main" xmlns:r="http://schemas.openxmlformats.org/officeDocument/2006/relationships" xmlns:p="http://schemas.openxmlformats.org/presentationml/2006/main">
   <p:cSld>
-    <p:bg>
-      <p:bgPr>
-        <a:solidFill>
-          <a:schemeClr val="bg1"/>
-        </a:solidFill>
-        <a:effectLst/>
-      </p:bgPr>
-    </p:bg>
     <p:spTree>
       <p:nvGrpSpPr>
         <p:cNvPr id="1" name=""/>
@@ -5108,12 +5095,15 @@
         </p:nvSpPr>
         <p:spPr>
           <a:xfrm>
-            <a:off x="7128096" y="4548232"/>
-            <a:ext cx="4817246" cy="700602"/>
+            <a:off x="7030788" y="908564"/>
+            <a:ext cx="3989637" cy="700602"/>
           </a:xfrm>
           <a:prstGeom prst="rect">
             <a:avLst/>
           </a:prstGeom>
+          <a:solidFill>
+            <a:srgbClr val="F2F3F3"/>
+          </a:solidFill>
         </p:spPr>
         <p:style>
           <a:lnRef idx="2">
@@ -5156,6 +5146,7 @@
             </a:lvl1pPr>
           </a:lstStyle>
           <a:p>
+            <a:pPr algn="ctr"/>
             <a:r>
               <a:rPr lang="en-US" sz="3200" dirty="0"/>
               <a:t>Samar and </a:t>
@@ -5196,8 +5187,8 @@
         </p:blipFill>
         <p:spPr>
           <a:xfrm>
-            <a:off x="7235672" y="0"/>
-            <a:ext cx="3954967" cy="4353787"/>
+            <a:off x="7768813" y="1609166"/>
+            <a:ext cx="2513586" cy="2767057"/>
           </a:xfrm>
           <a:prstGeom prst="rect">
             <a:avLst/>
@@ -5232,7 +5223,7 @@
         </p:blipFill>
         <p:spPr>
           <a:xfrm>
-            <a:off x="277400" y="428632"/>
+            <a:off x="144050" y="495307"/>
             <a:ext cx="6648613" cy="5237061"/>
           </a:xfrm>
           <a:prstGeom prst="rect">
@@ -5240,6 +5231,82 @@
           </a:prstGeom>
         </p:spPr>
       </p:pic>
+      <p:sp>
+        <p:nvSpPr>
+          <p:cNvPr id="2" name="Title 1">
+            <a:extLst>
+              <a:ext uri="{FF2B5EF4-FFF2-40B4-BE49-F238E27FC236}">
+                <a16:creationId xmlns:a16="http://schemas.microsoft.com/office/drawing/2014/main" id="{0508BAD2-7BF7-4F4B-A32C-A2EAB5F41FF8}"/>
+              </a:ext>
+            </a:extLst>
+          </p:cNvPr>
+          <p:cNvSpPr txBox="1">
+            <a:spLocks/>
+          </p:cNvSpPr>
+          <p:nvPr/>
+        </p:nvSpPr>
+        <p:spPr>
+          <a:xfrm>
+            <a:off x="7030787" y="4548232"/>
+            <a:ext cx="3989637" cy="700602"/>
+          </a:xfrm>
+          <a:prstGeom prst="rect">
+            <a:avLst/>
+          </a:prstGeom>
+          <a:solidFill>
+            <a:srgbClr val="F2F3F3"/>
+          </a:solidFill>
+        </p:spPr>
+        <p:style>
+          <a:lnRef idx="2">
+            <a:schemeClr val="accent3"/>
+          </a:lnRef>
+          <a:fillRef idx="1">
+            <a:schemeClr val="lt1"/>
+          </a:fillRef>
+          <a:effectRef idx="0">
+            <a:schemeClr val="accent3"/>
+          </a:effectRef>
+          <a:fontRef idx="minor">
+            <a:schemeClr val="dk1"/>
+          </a:fontRef>
+        </p:style>
+        <p:txBody>
+          <a:bodyPr vert="horz" lIns="91440" tIns="45720" rIns="91440" bIns="45720" rtlCol="0" anchor="b">
+            <a:normAutofit/>
+          </a:bodyPr>
+          <a:lstStyle>
+            <a:lvl1pPr algn="l" defTabSz="914400" rtl="0" eaLnBrk="1" latinLnBrk="0" hangingPunct="1">
+              <a:lnSpc>
+                <a:spcPct val="90000"/>
+              </a:lnSpc>
+              <a:spcBef>
+                <a:spcPct val="0"/>
+              </a:spcBef>
+              <a:buNone/>
+              <a:defRPr sz="8000" i="0" kern="1200" spc="-50" baseline="0">
+                <a:solidFill>
+                  <a:schemeClr val="tx1">
+                    <a:lumMod val="85000"/>
+                    <a:lumOff val="15000"/>
+                  </a:schemeClr>
+                </a:solidFill>
+                <a:latin typeface="+mj-lt"/>
+                <a:ea typeface="+mj-ea"/>
+                <a:cs typeface="+mj-cs"/>
+              </a:defRPr>
+            </a:lvl1pPr>
+          </a:lstStyle>
+          <a:p>
+            <a:pPr algn="ctr"/>
+            <a:r>
+              <a:rPr lang="en-US" sz="3200" dirty="0"/>
+              <a:t>Food Free</a:t>
+            </a:r>
+            <a:endParaRPr lang="en-gb" sz="3200" dirty="0"/>
+          </a:p>
+        </p:txBody>
+      </p:sp>
     </p:spTree>
     <p:extLst>
       <p:ext uri="{BB962C8B-B14F-4D97-AF65-F5344CB8AC3E}">
@@ -5256,14 +5323,6 @@
 <file path=ppt/slides/slide2.xml><?xml version="1.0" encoding="utf-8"?>
 <p:sld xmlns:a="http://schemas.openxmlformats.org/drawingml/2006/main" xmlns:r="http://schemas.openxmlformats.org/officeDocument/2006/relationships" xmlns:p="http://schemas.openxmlformats.org/presentationml/2006/main">
   <p:cSld>
-    <p:bg>
-      <p:bgPr>
-        <a:solidFill>
-          <a:schemeClr val="bg1"/>
-        </a:solidFill>
-        <a:effectLst/>
-      </p:bgPr>
-    </p:bg>
     <p:spTree>
       <p:nvGrpSpPr>
         <p:cNvPr id="1" name=""/>
@@ -5300,6 +5359,9 @@
           <a:prstGeom prst="rect">
             <a:avLst/>
           </a:prstGeom>
+          <a:solidFill>
+            <a:srgbClr val="F2F3F3"/>
+          </a:solidFill>
         </p:spPr>
         <p:style>
           <a:lnRef idx="2">
@@ -5523,7 +5585,7 @@
     <p:bg>
       <p:bgPr>
         <a:solidFill>
-          <a:schemeClr val="bg1"/>
+          <a:srgbClr val="F2F3F3"/>
         </a:solidFill>
         <a:effectLst/>
       </p:bgPr>
@@ -5811,6 +5873,9 @@
             <a:off x="5889812" y="682031"/>
             <a:ext cx="5853953" cy="836489"/>
           </a:xfrm>
+          <a:solidFill>
+            <a:srgbClr val="F2F3F3"/>
+          </a:solidFill>
         </p:spPr>
         <p:style>
           <a:lnRef idx="2">
@@ -5864,7 +5929,9 @@
           </a:xfrm>
         </p:spPr>
         <p:txBody>
-          <a:bodyPr/>
+          <a:bodyPr>
+            <a:normAutofit/>
+          </a:bodyPr>
           <a:lstStyle/>
           <a:p>
             <a:pPr marL="457200" indent="-457200" algn="r" rtl="1">
@@ -5929,7 +5996,7 @@
             <a:pPr rtl="0"/>
             <a:fld id="{98C8693B-3DD6-45FE-8789-61898B52A928}" type="datetime1">
               <a:rPr lang="en-US" smtClean="0"/>
-              <a:t>6/19/2023</a:t>
+              <a:t>6/20/2023</a:t>
             </a:fld>
             <a:endParaRPr lang="en-US" dirty="0"/>
           </a:p>
@@ -6084,6 +6151,36 @@
               <a:t> </a:t>
             </a:r>
             <a:endParaRPr lang="en-GB" sz="7200" dirty="0"/>
+          </a:p>
+        </p:txBody>
+      </p:sp>
+      <p:sp>
+        <p:nvSpPr>
+          <p:cNvPr id="4" name="Date Placeholder 3">
+            <a:extLst>
+              <a:ext uri="{FF2B5EF4-FFF2-40B4-BE49-F238E27FC236}">
+                <a16:creationId xmlns:a16="http://schemas.microsoft.com/office/drawing/2014/main" id="{9517BF9F-86B5-0EB3-C5AA-50604038A732}"/>
+              </a:ext>
+            </a:extLst>
+          </p:cNvPr>
+          <p:cNvSpPr>
+            <a:spLocks noGrp="1"/>
+          </p:cNvSpPr>
+          <p:nvPr>
+            <p:ph type="dt" sz="half" idx="10"/>
+          </p:nvPr>
+        </p:nvSpPr>
+        <p:spPr/>
+        <p:txBody>
+          <a:bodyPr/>
+          <a:lstStyle/>
+          <a:p>
+            <a:pPr rtl="0"/>
+            <a:fld id="{98C8693B-3DD6-45FE-8789-61898B52A928}" type="datetime1">
+              <a:rPr lang="en-US" smtClean="0"/>
+              <a:t>6/20/2023</a:t>
+            </a:fld>
+            <a:endParaRPr lang="en-US" dirty="0"/>
           </a:p>
         </p:txBody>
       </p:sp>
@@ -7563,36 +7660,6 @@
       </p:sp>
       <p:sp>
         <p:nvSpPr>
-          <p:cNvPr id="4" name="Date Placeholder 3">
-            <a:extLst>
-              <a:ext uri="{FF2B5EF4-FFF2-40B4-BE49-F238E27FC236}">
-                <a16:creationId xmlns:a16="http://schemas.microsoft.com/office/drawing/2014/main" id="{9517BF9F-86B5-0EB3-C5AA-50604038A732}"/>
-              </a:ext>
-            </a:extLst>
-          </p:cNvPr>
-          <p:cNvSpPr>
-            <a:spLocks noGrp="1"/>
-          </p:cNvSpPr>
-          <p:nvPr>
-            <p:ph type="dt" sz="half" idx="10"/>
-          </p:nvPr>
-        </p:nvSpPr>
-        <p:spPr/>
-        <p:txBody>
-          <a:bodyPr/>
-          <a:lstStyle/>
-          <a:p>
-            <a:pPr rtl="0"/>
-            <a:fld id="{98C8693B-3DD6-45FE-8789-61898B52A928}" type="datetime1">
-              <a:rPr lang="en-US" smtClean="0"/>
-              <a:t>6/19/2023</a:t>
-            </a:fld>
-            <a:endParaRPr lang="en-US" dirty="0"/>
-          </a:p>
-        </p:txBody>
-      </p:sp>
-      <p:sp>
-        <p:nvSpPr>
           <p:cNvPr id="5" name="Title 1">
             <a:extLst>
               <a:ext uri="{FF2B5EF4-FFF2-40B4-BE49-F238E27FC236}">
@@ -7643,12 +7710,12 @@
           <a:p>
             <a:pPr algn="ctr"/>
             <a:r>
-              <a:rPr lang="en-GB" sz="3200" dirty="0" err="1">
+              <a:rPr lang="en-GB" sz="3200" dirty="0">
                 <a:latin typeface="Calibri" panose="020F0502020204030204" pitchFamily="34" charset="0"/>
                 <a:ea typeface="Calibri" panose="020F0502020204030204" pitchFamily="34" charset="0"/>
                 <a:cs typeface="Arial" panose="020B0604020202020204" pitchFamily="34" charset="0"/>
               </a:rPr>
-              <a:t>BackEnd</a:t>
+              <a:t>Backend</a:t>
             </a:r>
             <a:endParaRPr lang="en-GB" sz="7200" dirty="0"/>
           </a:p>
@@ -8260,6 +8327,9 @@
             <a:off x="4244635" y="834055"/>
             <a:ext cx="3874828" cy="835257"/>
           </a:xfrm>
+          <a:solidFill>
+            <a:srgbClr val="F2F3F3"/>
+          </a:solidFill>
         </p:spPr>
         <p:style>
           <a:lnRef idx="2">
@@ -8281,6 +8351,7 @@
           </a:bodyPr>
           <a:lstStyle/>
           <a:p>
+            <a:pPr algn="ctr"/>
             <a:r>
               <a:rPr lang="en-US" sz="6000" b="1" dirty="0">
                 <a:solidFill>
@@ -8442,7 +8513,7 @@
             <a:spLocks noGrp="1"/>
           </p:cNvSpPr>
           <p:nvPr>
-            <p:ph type="body" sz="quarter" idx="19"/>
+            <p:ph type="body" sz="quarter" idx="18"/>
           </p:nvPr>
         </p:nvSpPr>
         <p:spPr>
@@ -8477,7 +8548,7 @@
             <a:spLocks noGrp="1"/>
           </p:cNvSpPr>
           <p:nvPr>
-            <p:ph type="body" sz="quarter" idx="21"/>
+            <p:ph type="body" sz="quarter" idx="19"/>
           </p:nvPr>
         </p:nvSpPr>
         <p:spPr>
@@ -8586,7 +8657,7 @@
         </p:nvSpPr>
         <p:spPr>
           <a:xfrm>
-            <a:off x="7169151" y="4433052"/>
+            <a:off x="9729156" y="4602530"/>
             <a:ext cx="1790700" cy="350292"/>
           </a:xfrm>
           <a:prstGeom prst="rect">
@@ -8864,7 +8935,7 @@
         </p:nvSpPr>
         <p:spPr>
           <a:xfrm>
-            <a:off x="9784604" y="4412934"/>
+            <a:off x="6972342" y="4440026"/>
             <a:ext cx="1790700" cy="350292"/>
           </a:xfrm>
           <a:prstGeom prst="rect">
@@ -10029,6 +10100,9 @@
             <a:off x="1066800" y="528918"/>
             <a:ext cx="10058400" cy="957431"/>
           </a:xfrm>
+          <a:solidFill>
+            <a:srgbClr val="F2F3F3"/>
+          </a:solidFill>
         </p:spPr>
         <p:style>
           <a:lnRef idx="2">
@@ -10104,7 +10178,7 @@
             <a:picLocks noGrp="1" noChangeAspect="1"/>
           </p:cNvPicPr>
           <p:nvPr>
-            <p:ph type="pic" sz="quarter" idx="15"/>
+            <p:ph type="pic" sz="quarter" idx="14"/>
           </p:nvPr>
         </p:nvPicPr>
         <p:blipFill>
@@ -10174,7 +10248,7 @@
             <a:spLocks noGrp="1"/>
           </p:cNvSpPr>
           <p:nvPr>
-            <p:ph type="body" sz="quarter" idx="21"/>
+            <p:ph type="body" sz="quarter" idx="18"/>
           </p:nvPr>
         </p:nvSpPr>
         <p:spPr>
@@ -10795,6 +10869,9 @@
             <a:off x="4625787" y="672353"/>
             <a:ext cx="6881553" cy="957431"/>
           </a:xfrm>
+          <a:solidFill>
+            <a:srgbClr val="F2F3F3"/>
+          </a:solidFill>
         </p:spPr>
         <p:style>
           <a:lnRef idx="2">
@@ -10968,6 +11045,9 @@
             <a:off x="1224824" y="851648"/>
             <a:ext cx="10058400" cy="706419"/>
           </a:xfrm>
+          <a:solidFill>
+            <a:srgbClr val="F2F3F3"/>
+          </a:solidFill>
         </p:spPr>
         <p:style>
           <a:lnRef idx="2">
@@ -11035,6 +11115,9 @@
           <a:prstGeom prst="flowChartPredefinedProcess">
             <a:avLst/>
           </a:prstGeom>
+          <a:solidFill>
+            <a:srgbClr val="F2F3F3"/>
+          </a:solidFill>
         </p:spPr>
         <p:style>
           <a:lnRef idx="2">
